--- a/Bao_Cao/Slide_DATN.pptx
+++ b/Bao_Cao/Slide_DATN.pptx
@@ -12,7 +12,7 @@
     <p:sldId id="259" r:id="rId3"/>
     <p:sldId id="292" r:id="rId4"/>
     <p:sldId id="293" r:id="rId5"/>
-    <p:sldId id="294" r:id="rId6"/>
+    <p:sldId id="296" r:id="rId6"/>
     <p:sldId id="266" r:id="rId7"/>
     <p:sldId id="267" r:id="rId8"/>
     <p:sldId id="268" r:id="rId9"/>
@@ -31,15 +31,15 @@
       <p:boldItalic r:id="rId17"/>
     </p:embeddedFont>
     <p:embeddedFont>
-      <p:font typeface="Pontano Sans" panose="020B0604020202020204" charset="0"/>
+      <p:font typeface="Fira Sans Extra Condensed Medium" panose="020B0604020202020204" charset="0"/>
       <p:regular r:id="rId18"/>
+      <p:bold r:id="rId19"/>
+      <p:italic r:id="rId20"/>
+      <p:boldItalic r:id="rId21"/>
     </p:embeddedFont>
     <p:embeddedFont>
-      <p:font typeface="Fira Sans Extra Condensed Medium" panose="020B0604020202020204" charset="0"/>
-      <p:regular r:id="rId19"/>
-      <p:bold r:id="rId20"/>
-      <p:italic r:id="rId21"/>
-      <p:boldItalic r:id="rId22"/>
+      <p:font typeface="Pontano Sans" panose="020B0604020202020204" charset="0"/>
+      <p:regular r:id="rId22"/>
     </p:embeddedFont>
   </p:embeddedFontLst>
   <p:defaultTextStyle>
@@ -9319,7 +9319,19 @@
               <a:rPr lang="en" sz="2800" dirty="0" smtClean="0">
                 <a:latin typeface="+mn-lt"/>
               </a:rPr>
-              <a:t>: Sản phẩm thực tế</a:t>
+              <a:t>: Sản </a:t>
+            </a:r>
+            <a:r>
+              <a:rPr lang="en" sz="2800" dirty="0" smtClean="0">
+                <a:latin typeface="+mn-lt"/>
+              </a:rPr>
+              <a:t>phẩm và hoạt động </a:t>
+            </a:r>
+            <a:r>
+              <a:rPr lang="en" sz="2800" dirty="0" smtClean="0">
+                <a:latin typeface="+mn-lt"/>
+              </a:rPr>
+              <a:t>thực tế</a:t>
             </a:r>
             <a:endParaRPr sz="2800" dirty="0">
               <a:latin typeface="+mn-lt"/>
@@ -9327,6 +9339,66 @@
           </a:p>
         </p:txBody>
       </p:sp>
+      <p:pic>
+        <p:nvPicPr>
+          <p:cNvPr id="2" name="Picture 1"/>
+          <p:cNvPicPr>
+            <a:picLocks noChangeAspect="1"/>
+          </p:cNvPicPr>
+          <p:nvPr/>
+        </p:nvPicPr>
+        <p:blipFill>
+          <a:blip r:embed="rId2">
+            <a:extLst>
+              <a:ext uri="{28A0092B-C50C-407E-A947-70E740481C1C}">
+                <a14:useLocalDpi xmlns:a14="http://schemas.microsoft.com/office/drawing/2010/main" val="0"/>
+              </a:ext>
+            </a:extLst>
+          </a:blip>
+          <a:stretch>
+            <a:fillRect/>
+          </a:stretch>
+        </p:blipFill>
+        <p:spPr>
+          <a:xfrm rot="16200000">
+            <a:off x="5193304" y="867087"/>
+            <a:ext cx="3057631" cy="3894993"/>
+          </a:xfrm>
+          <a:prstGeom prst="rect">
+            <a:avLst/>
+          </a:prstGeom>
+        </p:spPr>
+      </p:pic>
+      <p:pic>
+        <p:nvPicPr>
+          <p:cNvPr id="3" name="Picture 2"/>
+          <p:cNvPicPr>
+            <a:picLocks noChangeAspect="1"/>
+          </p:cNvPicPr>
+          <p:nvPr/>
+        </p:nvPicPr>
+        <p:blipFill>
+          <a:blip r:embed="rId3">
+            <a:extLst>
+              <a:ext uri="{28A0092B-C50C-407E-A947-70E740481C1C}">
+                <a14:useLocalDpi xmlns:a14="http://schemas.microsoft.com/office/drawing/2010/main" val="0"/>
+              </a:ext>
+            </a:extLst>
+          </a:blip>
+          <a:stretch>
+            <a:fillRect/>
+          </a:stretch>
+        </p:blipFill>
+        <p:spPr>
+          <a:xfrm rot="16200000">
+            <a:off x="1165028" y="733805"/>
+            <a:ext cx="3057630" cy="4161559"/>
+          </a:xfrm>
+          <a:prstGeom prst="rect">
+            <a:avLst/>
+          </a:prstGeom>
+        </p:spPr>
+      </p:pic>
     </p:spTree>
     <p:extLst>
       <p:ext uri="{BB962C8B-B14F-4D97-AF65-F5344CB8AC3E}">
@@ -9337,6 +9409,13 @@
   <p:clrMapOvr>
     <a:masterClrMapping/>
   </p:clrMapOvr>
+  <p:timing>
+    <p:tnLst>
+      <p:par>
+        <p:cTn id="1" dur="indefinite" restart="never" nodeType="tmRoot"/>
+      </p:par>
+    </p:tnLst>
+  </p:timing>
 </p:sld>
 </file>
 
@@ -10516,456 +10595,6 @@
           </a:p>
         </p:txBody>
       </p:sp>
-      <p:sp>
-        <p:nvSpPr>
-          <p:cNvPr id="17" name="Google Shape;423;p37"/>
-          <p:cNvSpPr/>
-          <p:nvPr/>
-        </p:nvSpPr>
-        <p:spPr>
-          <a:xfrm>
-            <a:off x="1293802" y="2233835"/>
-            <a:ext cx="2085600" cy="2085600"/>
-          </a:xfrm>
-          <a:prstGeom prst="roundRect">
-            <a:avLst>
-              <a:gd name="adj" fmla="val 16667"/>
-            </a:avLst>
-          </a:prstGeom>
-          <a:noFill/>
-          <a:ln w="9525" cap="flat" cmpd="sng">
-            <a:solidFill>
-              <a:schemeClr val="lt1"/>
-            </a:solidFill>
-            <a:prstDash val="solid"/>
-            <a:round/>
-            <a:headEnd type="none" w="sm" len="sm"/>
-            <a:tailEnd type="none" w="sm" len="sm"/>
-          </a:ln>
-        </p:spPr>
-        <p:txBody>
-          <a:bodyPr spcFirstLastPara="1" wrap="square" lIns="91425" tIns="91425" rIns="91425" bIns="91425" anchor="ctr" anchorCtr="0">
-            <a:noAutofit/>
-          </a:bodyPr>
-          <a:lstStyle/>
-          <a:p>
-            <a:pPr marL="0" lvl="0" indent="0" algn="l" rtl="0">
-              <a:spcBef>
-                <a:spcPts val="0"/>
-              </a:spcBef>
-              <a:spcAft>
-                <a:spcPts val="0"/>
-              </a:spcAft>
-              <a:buNone/>
-            </a:pPr>
-            <a:endParaRPr/>
-          </a:p>
-        </p:txBody>
-      </p:sp>
-      <p:sp>
-        <p:nvSpPr>
-          <p:cNvPr id="23" name="Google Shape;429;p37"/>
-          <p:cNvSpPr txBox="1">
-            <a:spLocks noGrp="1"/>
-          </p:cNvSpPr>
-          <p:nvPr>
-            <p:ph type="subTitle" idx="4294967295"/>
-          </p:nvPr>
-        </p:nvSpPr>
-        <p:spPr>
-          <a:xfrm>
-            <a:off x="1427602" y="2056044"/>
-            <a:ext cx="1810071" cy="2040835"/>
-          </a:xfrm>
-          <a:prstGeom prst="rect">
-            <a:avLst/>
-          </a:prstGeom>
-        </p:spPr>
-        <p:txBody>
-          <a:bodyPr spcFirstLastPara="1" wrap="square" lIns="91425" tIns="91425" rIns="91425" bIns="91425" anchor="t" anchorCtr="0">
-            <a:noAutofit/>
-          </a:bodyPr>
-          <a:lstStyle/>
-          <a:p>
-            <a:pPr marL="0" lvl="0" indent="0" rtl="0">
-              <a:lnSpc>
-                <a:spcPct val="150000"/>
-              </a:lnSpc>
-              <a:spcBef>
-                <a:spcPts val="1600"/>
-              </a:spcBef>
-              <a:spcAft>
-                <a:spcPts val="1600"/>
-              </a:spcAft>
-              <a:buNone/>
-            </a:pPr>
-            <a:r>
-              <a:rPr lang="en-US" sz="1000" b="1" i="1" dirty="0" smtClean="0">
-                <a:solidFill>
-                  <a:schemeClr val="bg1"/>
-                </a:solidFill>
-                <a:latin typeface="+mn-lt"/>
-              </a:rPr>
-              <a:t>Giao thức kết nối</a:t>
-            </a:r>
-            <a:r>
-              <a:rPr lang="en-US" sz="1000" dirty="0" smtClean="0">
-                <a:solidFill>
-                  <a:schemeClr val="bg1"/>
-                </a:solidFill>
-                <a:latin typeface="+mn-lt"/>
-              </a:rPr>
-              <a:t>: MQTT</a:t>
-            </a:r>
-            <a:r>
-              <a:rPr lang="en-US" sz="1000" dirty="0">
-                <a:solidFill>
-                  <a:schemeClr val="bg1"/>
-                </a:solidFill>
-                <a:latin typeface="+mn-lt"/>
-              </a:rPr>
-              <a:t/>
-            </a:r>
-            <a:br>
-              <a:rPr lang="en-US" sz="1000" dirty="0">
-                <a:solidFill>
-                  <a:schemeClr val="bg1"/>
-                </a:solidFill>
-                <a:latin typeface="+mn-lt"/>
-              </a:rPr>
-            </a:br>
-            <a:r>
-              <a:rPr lang="en-US" sz="1000" dirty="0" smtClean="0">
-                <a:solidFill>
-                  <a:schemeClr val="bg1"/>
-                </a:solidFill>
-                <a:latin typeface="+mn-lt"/>
-              </a:rPr>
-              <a:t>Là phần trung gian dịch chuyển dữ liệu giữa chip và app</a:t>
-            </a:r>
-            <a:br>
-              <a:rPr lang="en-US" sz="1000" dirty="0" smtClean="0">
-                <a:solidFill>
-                  <a:schemeClr val="bg1"/>
-                </a:solidFill>
-                <a:latin typeface="+mn-lt"/>
-              </a:rPr>
-            </a:br>
-            <a:r>
-              <a:rPr lang="en-US" sz="1000" dirty="0" smtClean="0">
-                <a:solidFill>
-                  <a:schemeClr val="bg1"/>
-                </a:solidFill>
-                <a:latin typeface="+mn-lt"/>
-              </a:rPr>
-              <a:t>Lý do lựa chọn: Tốn ít tài nguyên, thư viện hỗ trợ lập trình nhiều</a:t>
-            </a:r>
-          </a:p>
-        </p:txBody>
-      </p:sp>
-      <p:sp>
-        <p:nvSpPr>
-          <p:cNvPr id="33" name="Google Shape;423;p37"/>
-          <p:cNvSpPr/>
-          <p:nvPr/>
-        </p:nvSpPr>
-        <p:spPr>
-          <a:xfrm>
-            <a:off x="3513202" y="2233835"/>
-            <a:ext cx="2085600" cy="2085600"/>
-          </a:xfrm>
-          <a:prstGeom prst="roundRect">
-            <a:avLst>
-              <a:gd name="adj" fmla="val 16667"/>
-            </a:avLst>
-          </a:prstGeom>
-          <a:noFill/>
-          <a:ln w="9525" cap="flat" cmpd="sng">
-            <a:solidFill>
-              <a:schemeClr val="lt1"/>
-            </a:solidFill>
-            <a:prstDash val="solid"/>
-            <a:round/>
-            <a:headEnd type="none" w="sm" len="sm"/>
-            <a:tailEnd type="none" w="sm" len="sm"/>
-          </a:ln>
-        </p:spPr>
-        <p:txBody>
-          <a:bodyPr spcFirstLastPara="1" wrap="square" lIns="91425" tIns="91425" rIns="91425" bIns="91425" anchor="ctr" anchorCtr="0">
-            <a:noAutofit/>
-          </a:bodyPr>
-          <a:lstStyle/>
-          <a:p>
-            <a:pPr marL="0" lvl="0" indent="0" algn="l" rtl="0">
-              <a:spcBef>
-                <a:spcPts val="0"/>
-              </a:spcBef>
-              <a:spcAft>
-                <a:spcPts val="0"/>
-              </a:spcAft>
-              <a:buNone/>
-            </a:pPr>
-            <a:endParaRPr/>
-          </a:p>
-        </p:txBody>
-      </p:sp>
-      <p:sp>
-        <p:nvSpPr>
-          <p:cNvPr id="34" name="Google Shape;429;p37"/>
-          <p:cNvSpPr txBox="1">
-            <a:spLocks noGrp="1"/>
-          </p:cNvSpPr>
-          <p:nvPr>
-            <p:ph type="subTitle" idx="4294967295"/>
-          </p:nvPr>
-        </p:nvSpPr>
-        <p:spPr>
-          <a:xfrm>
-            <a:off x="3647002" y="2056044"/>
-            <a:ext cx="1810071" cy="2040835"/>
-          </a:xfrm>
-          <a:prstGeom prst="rect">
-            <a:avLst/>
-          </a:prstGeom>
-        </p:spPr>
-        <p:txBody>
-          <a:bodyPr spcFirstLastPara="1" wrap="square" lIns="91425" tIns="91425" rIns="91425" bIns="91425" anchor="t" anchorCtr="0">
-            <a:noAutofit/>
-          </a:bodyPr>
-          <a:lstStyle/>
-          <a:p>
-            <a:pPr marL="0" lvl="0" indent="0" rtl="0">
-              <a:lnSpc>
-                <a:spcPct val="150000"/>
-              </a:lnSpc>
-              <a:spcBef>
-                <a:spcPts val="1600"/>
-              </a:spcBef>
-              <a:spcAft>
-                <a:spcPts val="1600"/>
-              </a:spcAft>
-              <a:buNone/>
-            </a:pPr>
-            <a:r>
-              <a:rPr lang="en-US" sz="1000" b="1" i="1" dirty="0" smtClean="0">
-                <a:solidFill>
-                  <a:schemeClr val="bg1"/>
-                </a:solidFill>
-                <a:latin typeface="+mn-lt"/>
-              </a:rPr>
-              <a:t>Vi điều khiển</a:t>
-            </a:r>
-            <a:r>
-              <a:rPr lang="en-US" sz="1000" dirty="0" smtClean="0">
-                <a:solidFill>
-                  <a:schemeClr val="bg1"/>
-                </a:solidFill>
-                <a:latin typeface="+mn-lt"/>
-              </a:rPr>
-              <a:t>: Esp8266</a:t>
-            </a:r>
-            <a:r>
-              <a:rPr lang="en-US" sz="1000" dirty="0">
-                <a:solidFill>
-                  <a:schemeClr val="bg1"/>
-                </a:solidFill>
-                <a:latin typeface="+mn-lt"/>
-              </a:rPr>
-              <a:t/>
-            </a:r>
-            <a:br>
-              <a:rPr lang="en-US" sz="1000" dirty="0">
-                <a:solidFill>
-                  <a:schemeClr val="bg1"/>
-                </a:solidFill>
-                <a:latin typeface="+mn-lt"/>
-              </a:rPr>
-            </a:br>
-            <a:r>
-              <a:rPr lang="en-US" sz="1000" dirty="0" smtClean="0">
-                <a:solidFill>
-                  <a:schemeClr val="bg1"/>
-                </a:solidFill>
-                <a:latin typeface="+mn-lt"/>
-              </a:rPr>
-              <a:t>Là phần quan trọng của hệ thống dùng để xử lý dữ liệu</a:t>
-            </a:r>
-            <a:r>
-              <a:rPr lang="en-US" sz="1000" dirty="0">
-                <a:solidFill>
-                  <a:schemeClr val="bg1"/>
-                </a:solidFill>
-                <a:latin typeface="+mn-lt"/>
-              </a:rPr>
-              <a:t/>
-            </a:r>
-            <a:br>
-              <a:rPr lang="en-US" sz="1000" dirty="0">
-                <a:solidFill>
-                  <a:schemeClr val="bg1"/>
-                </a:solidFill>
-                <a:latin typeface="+mn-lt"/>
-              </a:rPr>
-            </a:br>
-            <a:r>
-              <a:rPr lang="en-US" sz="1000" dirty="0" smtClean="0">
-                <a:solidFill>
-                  <a:schemeClr val="bg1"/>
-                </a:solidFill>
-                <a:latin typeface="+mn-lt"/>
-              </a:rPr>
-              <a:t>Lý do lựa chọn: Có kết nối wifi, giá thành rẻ, dễ dàng lập trình</a:t>
-            </a:r>
-          </a:p>
-        </p:txBody>
-      </p:sp>
-      <p:sp>
-        <p:nvSpPr>
-          <p:cNvPr id="37" name="Google Shape;423;p37"/>
-          <p:cNvSpPr/>
-          <p:nvPr/>
-        </p:nvSpPr>
-        <p:spPr>
-          <a:xfrm>
-            <a:off x="5724673" y="2233835"/>
-            <a:ext cx="2085600" cy="2085600"/>
-          </a:xfrm>
-          <a:prstGeom prst="roundRect">
-            <a:avLst>
-              <a:gd name="adj" fmla="val 16667"/>
-            </a:avLst>
-          </a:prstGeom>
-          <a:noFill/>
-          <a:ln w="9525" cap="flat" cmpd="sng">
-            <a:solidFill>
-              <a:schemeClr val="lt1"/>
-            </a:solidFill>
-            <a:prstDash val="solid"/>
-            <a:round/>
-            <a:headEnd type="none" w="sm" len="sm"/>
-            <a:tailEnd type="none" w="sm" len="sm"/>
-          </a:ln>
-        </p:spPr>
-        <p:txBody>
-          <a:bodyPr spcFirstLastPara="1" wrap="square" lIns="91425" tIns="91425" rIns="91425" bIns="91425" anchor="ctr" anchorCtr="0">
-            <a:noAutofit/>
-          </a:bodyPr>
-          <a:lstStyle/>
-          <a:p>
-            <a:pPr marL="0" lvl="0" indent="0" algn="l" rtl="0">
-              <a:spcBef>
-                <a:spcPts val="0"/>
-              </a:spcBef>
-              <a:spcAft>
-                <a:spcPts val="0"/>
-              </a:spcAft>
-              <a:buNone/>
-            </a:pPr>
-            <a:endParaRPr/>
-          </a:p>
-        </p:txBody>
-      </p:sp>
-      <p:sp>
-        <p:nvSpPr>
-          <p:cNvPr id="38" name="Google Shape;429;p37"/>
-          <p:cNvSpPr txBox="1">
-            <a:spLocks noGrp="1"/>
-          </p:cNvSpPr>
-          <p:nvPr>
-            <p:ph type="subTitle" idx="4294967295"/>
-          </p:nvPr>
-        </p:nvSpPr>
-        <p:spPr>
-          <a:xfrm>
-            <a:off x="5858473" y="2056044"/>
-            <a:ext cx="1810071" cy="2040835"/>
-          </a:xfrm>
-          <a:prstGeom prst="rect">
-            <a:avLst/>
-          </a:prstGeom>
-        </p:spPr>
-        <p:txBody>
-          <a:bodyPr spcFirstLastPara="1" wrap="square" lIns="91425" tIns="91425" rIns="91425" bIns="91425" anchor="t" anchorCtr="0">
-            <a:noAutofit/>
-          </a:bodyPr>
-          <a:lstStyle/>
-          <a:p>
-            <a:pPr marL="0" lvl="0" indent="0" rtl="0">
-              <a:lnSpc>
-                <a:spcPct val="150000"/>
-              </a:lnSpc>
-              <a:spcBef>
-                <a:spcPts val="1600"/>
-              </a:spcBef>
-              <a:spcAft>
-                <a:spcPts val="1600"/>
-              </a:spcAft>
-              <a:buNone/>
-            </a:pPr>
-            <a:r>
-              <a:rPr lang="en-US" sz="1000" b="1" i="1" dirty="0" smtClean="0">
-                <a:solidFill>
-                  <a:schemeClr val="bg1"/>
-                </a:solidFill>
-                <a:latin typeface="+mn-lt"/>
-              </a:rPr>
-              <a:t>Application</a:t>
-            </a:r>
-            <a:r>
-              <a:rPr lang="en-US" sz="1000" dirty="0" smtClean="0">
-                <a:solidFill>
-                  <a:schemeClr val="bg1"/>
-                </a:solidFill>
-                <a:latin typeface="+mn-lt"/>
-              </a:rPr>
-              <a:t>: C#, React Native</a:t>
-            </a:r>
-            <a:r>
-              <a:rPr lang="en-US" sz="1000" dirty="0">
-                <a:solidFill>
-                  <a:schemeClr val="bg1"/>
-                </a:solidFill>
-                <a:latin typeface="+mn-lt"/>
-              </a:rPr>
-              <a:t/>
-            </a:r>
-            <a:br>
-              <a:rPr lang="en-US" sz="1000" dirty="0">
-                <a:solidFill>
-                  <a:schemeClr val="bg1"/>
-                </a:solidFill>
-                <a:latin typeface="+mn-lt"/>
-              </a:rPr>
-            </a:br>
-            <a:r>
-              <a:rPr lang="en-US" sz="1000" dirty="0" smtClean="0">
-                <a:solidFill>
-                  <a:schemeClr val="bg1"/>
-                </a:solidFill>
-                <a:latin typeface="+mn-lt"/>
-              </a:rPr>
-              <a:t>Là phần giao diện giúp người dùng thao tác với phần cứng</a:t>
-            </a:r>
-            <a:br>
-              <a:rPr lang="en-US" sz="1000" dirty="0" smtClean="0">
-                <a:solidFill>
-                  <a:schemeClr val="bg1"/>
-                </a:solidFill>
-                <a:latin typeface="+mn-lt"/>
-              </a:rPr>
-            </a:br>
-            <a:r>
-              <a:rPr lang="en-US" sz="1000" dirty="0" smtClean="0">
-                <a:solidFill>
-                  <a:schemeClr val="bg1"/>
-                </a:solidFill>
-                <a:latin typeface="+mn-lt"/>
-              </a:rPr>
-              <a:t>Lý do lựa chọn: Hỗ trợ đa nền tảng, cộng đồng hỗ trợ lớn</a:t>
-            </a:r>
-          </a:p>
-        </p:txBody>
-      </p:sp>
       <p:pic>
         <p:nvPicPr>
           <p:cNvPr id="39" name="Picture 38"/>
@@ -10982,7 +10611,7 @@
         </p:blipFill>
         <p:spPr>
           <a:xfrm>
-            <a:off x="1942792" y="1619052"/>
+            <a:off x="1905773" y="1248172"/>
             <a:ext cx="668940" cy="525888"/>
           </a:xfrm>
           <a:prstGeom prst="rect">
@@ -11006,7 +10635,7 @@
         </p:blipFill>
         <p:spPr>
           <a:xfrm>
-            <a:off x="4206794" y="1536265"/>
+            <a:off x="4121059" y="1283183"/>
             <a:ext cx="654249" cy="519779"/>
           </a:xfrm>
           <a:prstGeom prst="rect">
@@ -11030,7 +10659,7 @@
         </p:blipFill>
         <p:spPr>
           <a:xfrm>
-            <a:off x="6231564" y="1543073"/>
+            <a:off x="6310481" y="1283183"/>
             <a:ext cx="517113" cy="522976"/>
           </a:xfrm>
           <a:prstGeom prst="rect">
@@ -11054,7 +10683,7 @@
         </p:blipFill>
         <p:spPr>
           <a:xfrm>
-            <a:off x="6827594" y="1536265"/>
+            <a:off x="6906511" y="1286713"/>
             <a:ext cx="550804" cy="529784"/>
           </a:xfrm>
           <a:prstGeom prst="rect">
@@ -11062,6 +10691,85 @@
           </a:prstGeom>
         </p:spPr>
       </p:pic>
+      <p:sp>
+        <p:nvSpPr>
+          <p:cNvPr id="2" name="TextBox 1"/>
+          <p:cNvSpPr txBox="1"/>
+          <p:nvPr/>
+        </p:nvSpPr>
+        <p:spPr>
+          <a:xfrm>
+            <a:off x="800100" y="2005445"/>
+            <a:ext cx="7637318" cy="1420325"/>
+          </a:xfrm>
+          <a:prstGeom prst="rect">
+            <a:avLst/>
+          </a:prstGeom>
+          <a:noFill/>
+        </p:spPr>
+        <p:txBody>
+          <a:bodyPr wrap="square" rtlCol="0">
+            <a:spAutoFit/>
+          </a:bodyPr>
+          <a:lstStyle/>
+          <a:p>
+            <a:pPr marL="342900" indent="-342900">
+              <a:lnSpc>
+                <a:spcPct val="150000"/>
+              </a:lnSpc>
+              <a:buFont typeface="Arial" panose="020B0604020202020204" pitchFamily="34" charset="0"/>
+              <a:buChar char="•"/>
+            </a:pPr>
+            <a:r>
+              <a:rPr lang="en-US" sz="2000" dirty="0" smtClean="0">
+                <a:solidFill>
+                  <a:schemeClr val="tx2"/>
+                </a:solidFill>
+              </a:rPr>
+              <a:t>Giao thức kết nối: MQTT</a:t>
+            </a:r>
+          </a:p>
+          <a:p>
+            <a:pPr marL="342900" indent="-342900">
+              <a:lnSpc>
+                <a:spcPct val="150000"/>
+              </a:lnSpc>
+              <a:buFont typeface="Arial" panose="020B0604020202020204" pitchFamily="34" charset="0"/>
+              <a:buChar char="•"/>
+            </a:pPr>
+            <a:r>
+              <a:rPr lang="en-US" sz="2000" dirty="0" smtClean="0">
+                <a:solidFill>
+                  <a:schemeClr val="tx2"/>
+                </a:solidFill>
+              </a:rPr>
+              <a:t>Vi điều khiển: Esp8266</a:t>
+            </a:r>
+          </a:p>
+          <a:p>
+            <a:pPr marL="342900" indent="-342900">
+              <a:lnSpc>
+                <a:spcPct val="150000"/>
+              </a:lnSpc>
+              <a:buFont typeface="Arial" panose="020B0604020202020204" pitchFamily="34" charset="0"/>
+              <a:buChar char="•"/>
+            </a:pPr>
+            <a:r>
+              <a:rPr lang="en-US" sz="2000" dirty="0" smtClean="0">
+                <a:solidFill>
+                  <a:schemeClr val="tx2"/>
+                </a:solidFill>
+              </a:rPr>
+              <a:t>Application: React native, C#</a:t>
+            </a:r>
+            <a:endParaRPr lang="en-US" sz="2000" dirty="0">
+              <a:solidFill>
+                <a:schemeClr val="tx2"/>
+              </a:solidFill>
+            </a:endParaRPr>
+          </a:p>
+        </p:txBody>
+      </p:sp>
     </p:spTree>
     <p:extLst>
       <p:ext uri="{BB962C8B-B14F-4D97-AF65-F5344CB8AC3E}">
@@ -11944,21 +11652,21 @@
       </p:grpSpPr>
       <p:graphicFrame>
         <p:nvGraphicFramePr>
-          <p:cNvPr id="16" name="Table 15"/>
+          <p:cNvPr id="18" name="Table 17"/>
           <p:cNvGraphicFramePr>
             <a:graphicFrameLocks noGrp="1"/>
           </p:cNvGraphicFramePr>
           <p:nvPr>
             <p:extLst>
               <p:ext uri="{D42A27DB-BD31-4B8C-83A1-F6EECF244321}">
-                <p14:modId xmlns:p14="http://schemas.microsoft.com/office/powerpoint/2010/main" val="967604113"/>
+                <p14:modId xmlns:p14="http://schemas.microsoft.com/office/powerpoint/2010/main" val="2809561071"/>
               </p:ext>
             </p:extLst>
           </p:nvPr>
         </p:nvGraphicFramePr>
         <p:xfrm>
-          <a:off x="598966" y="467013"/>
-          <a:ext cx="8025488" cy="1577340"/>
+          <a:off x="702875" y="591704"/>
+          <a:ext cx="8025488" cy="3995420"/>
         </p:xfrm>
         <a:graphic>
           <a:graphicData uri="http://schemas.openxmlformats.org/drawingml/2006/table">
@@ -11974,21 +11682,21 @@
                     </a:ext>
                   </a:extLst>
                 </a:gridCol>
-                <a:gridCol w="1111828">
+                <a:gridCol w="1579419">
                   <a:extLst>
                     <a:ext uri="{9D8B030D-6E8A-4147-A177-3AD203B41FA5}">
                       <a16:colId xmlns:a16="http://schemas.microsoft.com/office/drawing/2014/main" val="4262787169"/>
                     </a:ext>
                   </a:extLst>
                 </a:gridCol>
-                <a:gridCol w="2244436">
+                <a:gridCol w="3626427">
                   <a:extLst>
                     <a:ext uri="{9D8B030D-6E8A-4147-A177-3AD203B41FA5}">
                       <a16:colId xmlns:a16="http://schemas.microsoft.com/office/drawing/2014/main" val="2984611779"/>
                     </a:ext>
                   </a:extLst>
                 </a:gridCol>
-                <a:gridCol w="4083627">
+                <a:gridCol w="2234045">
                   <a:extLst>
                     <a:ext uri="{9D8B030D-6E8A-4147-A177-3AD203B41FA5}">
                       <a16:colId xmlns:a16="http://schemas.microsoft.com/office/drawing/2014/main" val="1482573473"/>
@@ -12009,7 +11717,15 @@
                             <a:schemeClr val="bg1"/>
                           </a:solidFill>
                         </a:rPr>
-                        <a:t>Lệnh lấy trạng thái thiết bị</a:t>
+                        <a:t>Lệnh </a:t>
+                      </a:r>
+                      <a:r>
+                        <a:rPr lang="en-US" baseline="0" dirty="0" smtClean="0">
+                          <a:solidFill>
+                            <a:schemeClr val="bg1"/>
+                          </a:solidFill>
+                        </a:rPr>
+                        <a:t>hẹn giờ</a:t>
                       </a:r>
                       <a:endParaRPr lang="en-US" dirty="0">
                         <a:solidFill>
@@ -12018,7 +11734,7 @@
                       </a:endParaRPr>
                     </a:p>
                   </a:txBody>
-                  <a:tcPr/>
+                  <a:tcPr anchor="ctr"/>
                 </a:tc>
                 <a:tc hMerge="1">
                   <a:txBody>
@@ -12180,12 +11896,11 @@
                 </a:extLst>
               </a:tr>
               <a:tr h="370840">
-                <a:tc rowSpan="2">
+                <a:tc>
                   <a:txBody>
                     <a:bodyPr/>
                     <a:lstStyle/>
                     <a:p>
-                      <a:pPr algn="ctr"/>
                       <a:r>
                         <a:rPr lang="en-US" dirty="0" smtClean="0">
                           <a:solidFill>
@@ -12203,56 +11918,40 @@
                   </a:txBody>
                   <a:tcPr anchor="ctr"/>
                 </a:tc>
-                <a:tc rowSpan="2" gridSpan="2">
+                <a:tc>
                   <a:txBody>
                     <a:bodyPr/>
                     <a:lstStyle/>
                     <a:p>
-                      <a:pPr algn="ctr" rtl="0" fontAlgn="b"/>
+                      <a:pPr rtl="0" fontAlgn="b"/>
                       <a:r>
-                        <a:rPr lang="en-US" sz="1400" u="none" strike="noStrike" cap="none" dirty="0" smtClean="0">
+                        <a:rPr lang="en-US">
                           <a:solidFill>
-                            <a:schemeClr val="bg1"/>
-                          </a:solidFill>
-                          <a:effectLst/>
-                          <a:sym typeface="Arial"/>
-                        </a:rPr>
-                        <a:t>get_State_device</a:t>
-                      </a:r>
-                      <a:endParaRPr lang="en-US" dirty="0">
-                        <a:solidFill>
-                          <a:schemeClr val="bg1"/>
-                        </a:solidFill>
-                        <a:effectLst/>
-                      </a:endParaRPr>
-                    </a:p>
-                    <a:p>
-                      <a:pPr algn="ctr" rtl="0" fontAlgn="b"/>
-                      <a:r>
-                        <a:rPr lang="en-US" dirty="0">
-                          <a:solidFill>
-                            <a:schemeClr val="bg1"/>
+                            <a:schemeClr val="tx2"/>
                           </a:solidFill>
                           <a:effectLst/>
                         </a:rPr>
-                        <a:t>{"sw_wifi": 1,"status":1 }</a:t>
+                        <a:t>alarm_ch1_on</a:t>
                       </a:r>
                     </a:p>
                   </a:txBody>
-                  <a:tcPr marL="28575" marR="28575" marT="19050" marB="19050" anchor="ctr"/>
+                  <a:tcPr marL="28575" marR="28575" marT="19050" marB="19050" anchor="b"/>
                 </a:tc>
-                <a:tc rowSpan="2" hMerge="1">
+                <a:tc>
                   <a:txBody>
                     <a:bodyPr/>
                     <a:lstStyle/>
                     <a:p>
-                      <a:pPr algn="ctr" rtl="0" fontAlgn="b"/>
-                      <a:endParaRPr lang="en-US" dirty="0">
-                        <a:solidFill>
-                          <a:schemeClr val="bg1"/>
-                        </a:solidFill>
-                        <a:effectLst/>
-                      </a:endParaRPr>
+                      <a:pPr rtl="0" fontAlgn="b"/>
+                      <a:r>
+                        <a:rPr lang="en-US">
+                          <a:solidFill>
+                            <a:schemeClr val="tx2"/>
+                          </a:solidFill>
+                          <a:effectLst/>
+                        </a:rPr>
+                        <a:t>{"sw_wifi":3,"pos":1,"hour":10,"minute":25,"status":1}</a:t>
+                      </a:r>
                     </a:p>
                   </a:txBody>
                   <a:tcPr marL="28575" marR="28575" marT="19050" marB="19050" anchor="b"/>
@@ -12263,16 +11962,6 @@
                     <a:lstStyle/>
                     <a:p>
                       <a:pPr algn="ctr" rtl="0" fontAlgn="b"/>
-                      <a:r>
-                        <a:rPr lang="en-US" sz="1400" u="none" strike="noStrike" cap="none" dirty="0" smtClean="0">
-                          <a:solidFill>
-                            <a:schemeClr val="bg1"/>
-                          </a:solidFill>
-                          <a:effectLst/>
-                          <a:sym typeface="Arial"/>
-                        </a:rPr>
-                        <a:t>{"sw_wifi":2,"pos":[0,1,0]}</a:t>
-                      </a:r>
                       <a:endParaRPr lang="en-US" dirty="0">
                         <a:solidFill>
                           <a:schemeClr val="bg1"/>
@@ -12290,11 +11979,19 @@
                 </a:extLst>
               </a:tr>
               <a:tr h="370840">
-                <a:tc vMerge="1">
+                <a:tc>
                   <a:txBody>
                     <a:bodyPr/>
                     <a:lstStyle/>
                     <a:p>
+                      <a:r>
+                        <a:rPr lang="en-US" dirty="0" smtClean="0">
+                          <a:solidFill>
+                            <a:schemeClr val="bg1"/>
+                          </a:solidFill>
+                        </a:rPr>
+                        <a:t>2</a:t>
+                      </a:r>
                       <a:endParaRPr lang="en-US" dirty="0">
                         <a:solidFill>
                           <a:schemeClr val="bg1"/>
@@ -12302,36 +11999,42 @@
                       </a:endParaRPr>
                     </a:p>
                   </a:txBody>
-                  <a:tcPr/>
+                  <a:tcPr anchor="ctr"/>
                 </a:tc>
-                <a:tc gridSpan="2" vMerge="1">
+                <a:tc>
                   <a:txBody>
                     <a:bodyPr/>
                     <a:lstStyle/>
                     <a:p>
-                      <a:pPr algn="ctr" rtl="0" fontAlgn="b"/>
-                      <a:endParaRPr lang="en-US" dirty="0">
-                        <a:solidFill>
-                          <a:schemeClr val="bg1"/>
-                        </a:solidFill>
-                        <a:effectLst/>
-                      </a:endParaRPr>
+                      <a:pPr rtl="0" fontAlgn="b"/>
+                      <a:r>
+                        <a:rPr lang="en-US">
+                          <a:solidFill>
+                            <a:schemeClr val="tx2"/>
+                          </a:solidFill>
+                          <a:effectLst/>
+                        </a:rPr>
+                        <a:t>alarm_ch1_off</a:t>
+                      </a:r>
                     </a:p>
                   </a:txBody>
                   <a:tcPr marL="28575" marR="28575" marT="19050" marB="19050" anchor="b"/>
                 </a:tc>
-                <a:tc hMerge="1" vMerge="1">
+                <a:tc>
                   <a:txBody>
                     <a:bodyPr/>
                     <a:lstStyle/>
                     <a:p>
-                      <a:pPr algn="ctr" rtl="0" fontAlgn="b"/>
-                      <a:endParaRPr lang="en-US" dirty="0">
-                        <a:solidFill>
-                          <a:schemeClr val="bg1"/>
-                        </a:solidFill>
-                        <a:effectLst/>
-                      </a:endParaRPr>
+                      <a:pPr rtl="0" fontAlgn="b"/>
+                      <a:r>
+                        <a:rPr lang="en-US">
+                          <a:solidFill>
+                            <a:schemeClr val="tx2"/>
+                          </a:solidFill>
+                          <a:effectLst/>
+                        </a:rPr>
+                        <a:t>{"sw_wifi":3,"pos":1,"hour":10,"minute":25,"status":2}</a:t>
+                      </a:r>
                     </a:p>
                   </a:txBody>
                   <a:tcPr marL="28575" marR="28575" marT="19050" marB="19050" anchor="b"/>
@@ -12342,16 +12045,6 @@
                     <a:lstStyle/>
                     <a:p>
                       <a:pPr algn="ctr" rtl="0" fontAlgn="b"/>
-                      <a:r>
-                        <a:rPr lang="en-US" sz="1400" u="none" strike="noStrike" cap="none" dirty="0" smtClean="0">
-                          <a:solidFill>
-                            <a:schemeClr val="bg1"/>
-                          </a:solidFill>
-                          <a:effectLst/>
-                          <a:sym typeface="Arial"/>
-                        </a:rPr>
-                        <a:t>{"sw_wifi":2,"pos":0,"status":0,"ssid":"TP-Link_C554","streng":-53}</a:t>
-                      </a:r>
                       <a:endParaRPr lang="en-US" dirty="0">
                         <a:solidFill>
                           <a:schemeClr val="bg1"/>
@@ -12368,107 +12061,62 @@
                   </a:ext>
                 </a:extLst>
               </a:tr>
-            </a:tbl>
-          </a:graphicData>
-        </a:graphic>
-      </p:graphicFrame>
-      <p:graphicFrame>
-        <p:nvGraphicFramePr>
-          <p:cNvPr id="17" name="Table 16"/>
-          <p:cNvGraphicFramePr>
-            <a:graphicFrameLocks noGrp="1"/>
-          </p:cNvGraphicFramePr>
-          <p:nvPr>
-            <p:extLst>
-              <p:ext uri="{D42A27DB-BD31-4B8C-83A1-F6EECF244321}">
-                <p14:modId xmlns:p14="http://schemas.microsoft.com/office/powerpoint/2010/main" val="2371275983"/>
-              </p:ext>
-            </p:extLst>
-          </p:nvPr>
-        </p:nvGraphicFramePr>
-        <p:xfrm>
-          <a:off x="2530619" y="2273589"/>
-          <a:ext cx="3974090" cy="1973580"/>
-        </p:xfrm>
-        <a:graphic>
-          <a:graphicData uri="http://schemas.openxmlformats.org/drawingml/2006/table">
-            <a:tbl>
-              <a:tblPr>
-                <a:tableStyleId>{F2A178B8-922F-4B81-9AFE-D9EFD90CD8A9}</a:tableStyleId>
-              </a:tblPr>
-              <a:tblGrid>
-                <a:gridCol w="2004734">
-                  <a:extLst>
-                    <a:ext uri="{9D8B030D-6E8A-4147-A177-3AD203B41FA5}">
-                      <a16:colId xmlns:a16="http://schemas.microsoft.com/office/drawing/2014/main" val="2377535130"/>
-                    </a:ext>
-                  </a:extLst>
-                </a:gridCol>
-                <a:gridCol w="1969356">
-                  <a:extLst>
-                    <a:ext uri="{9D8B030D-6E8A-4147-A177-3AD203B41FA5}">
-                      <a16:colId xmlns:a16="http://schemas.microsoft.com/office/drawing/2014/main" val="696787454"/>
-                    </a:ext>
-                  </a:extLst>
-                </a:gridCol>
-              </a:tblGrid>
-              <a:tr h="200025">
-                <a:tc gridSpan="2">
-                  <a:txBody>
-                    <a:bodyPr/>
-                    <a:lstStyle/>
-                    <a:p>
-                      <a:pPr algn="ctr" rtl="0" fontAlgn="b"/>
-                      <a:r>
-                        <a:rPr lang="en-US" dirty="0">
-                          <a:solidFill>
-                            <a:schemeClr val="bg1"/>
-                          </a:solidFill>
-                          <a:effectLst/>
-                        </a:rPr>
-                        <a:t>Mqtt Server </a:t>
-                      </a:r>
-                      <a:endParaRPr lang="en-US" b="1" dirty="0">
-                        <a:solidFill>
-                          <a:schemeClr val="bg1"/>
-                        </a:solidFill>
-                        <a:effectLst/>
-                      </a:endParaRPr>
-                    </a:p>
-                  </a:txBody>
-                  <a:tcPr marL="28575" marR="28575" marT="19050" marB="19050" anchor="b"/>
-                </a:tc>
-                <a:tc hMerge="1">
-                  <a:txBody>
-                    <a:bodyPr/>
-                    <a:lstStyle/>
-                    <a:p>
-                      <a:endParaRPr lang="en-US"/>
-                    </a:p>
-                  </a:txBody>
-                  <a:tcPr/>
-                </a:tc>
-                <a:extLst>
-                  <a:ext uri="{0D108BD9-81ED-4DB2-BD59-A6C34878D82A}">
-                    <a16:rowId xmlns:a16="http://schemas.microsoft.com/office/drawing/2014/main" val="4006928730"/>
-                  </a:ext>
-                </a:extLst>
-              </a:tr>
-              <a:tr h="200025">
+              <a:tr h="370840">
                 <a:tc>
                   <a:txBody>
                     <a:bodyPr/>
                     <a:lstStyle/>
                     <a:p>
-                      <a:pPr algn="ctr" rtl="0" fontAlgn="b"/>
                       <a:r>
-                        <a:rPr lang="en-US" dirty="0">
+                        <a:rPr lang="en-US" dirty="0" smtClean="0">
                           <a:solidFill>
                             <a:schemeClr val="bg1"/>
                           </a:solidFill>
+                        </a:rPr>
+                        <a:t>3</a:t>
+                      </a:r>
+                      <a:endParaRPr lang="en-US" dirty="0">
+                        <a:solidFill>
+                          <a:schemeClr val="bg1"/>
+                        </a:solidFill>
+                      </a:endParaRPr>
+                    </a:p>
+                  </a:txBody>
+                  <a:tcPr anchor="ctr"/>
+                </a:tc>
+                <a:tc>
+                  <a:txBody>
+                    <a:bodyPr/>
+                    <a:lstStyle/>
+                    <a:p>
+                      <a:pPr rtl="0" fontAlgn="b"/>
+                      <a:r>
+                        <a:rPr lang="en-US">
+                          <a:solidFill>
+                            <a:schemeClr val="tx2"/>
+                          </a:solidFill>
                           <a:effectLst/>
                         </a:rPr>
-                        <a:t>Server </a:t>
+                        <a:t>alarm_ch2_on</a:t>
+                      </a:r>
+                    </a:p>
+                  </a:txBody>
+                  <a:tcPr marL="28575" marR="28575" marT="19050" marB="19050" anchor="b"/>
+                </a:tc>
+                <a:tc>
+                  <a:txBody>
+                    <a:bodyPr/>
+                    <a:lstStyle/>
+                    <a:p>
+                      <a:pPr rtl="0" fontAlgn="b"/>
+                      <a:r>
+                        <a:rPr lang="en-US">
+                          <a:solidFill>
+                            <a:schemeClr val="tx2"/>
+                          </a:solidFill>
+                          <a:effectLst/>
+                        </a:rPr>
+                        <a:t>{"sw_wifi":3,"pos":2,"hour":10,"minute":25,"status":3}</a:t>
                       </a:r>
                     </a:p>
                   </a:txBody>
@@ -12480,16 +12128,7 @@
                     <a:lstStyle/>
                     <a:p>
                       <a:pPr algn="ctr" rtl="0" fontAlgn="b"/>
-                      <a:r>
-                        <a:rPr lang="en-US" u="none" dirty="0" smtClean="0">
-                          <a:solidFill>
-                            <a:schemeClr val="bg1"/>
-                          </a:solidFill>
-                          <a:effectLst/>
-                        </a:rPr>
-                        <a:t>ngoinhaiot.com</a:t>
-                      </a:r>
-                      <a:endParaRPr lang="en-US" u="none" dirty="0">
+                      <a:endParaRPr lang="en-US" dirty="0">
                         <a:solidFill>
                           <a:schemeClr val="bg1"/>
                         </a:solidFill>
@@ -12497,29 +12136,70 @@
                       </a:endParaRPr>
                     </a:p>
                   </a:txBody>
-                  <a:tcPr marL="28575" marR="28575" marT="19050" marB="19050" anchor="b"/>
+                  <a:tcPr marL="28575" marR="28575" marT="19050" marB="19050" anchor="ctr"/>
                 </a:tc>
                 <a:extLst>
                   <a:ext uri="{0D108BD9-81ED-4DB2-BD59-A6C34878D82A}">
-                    <a16:rowId xmlns:a16="http://schemas.microsoft.com/office/drawing/2014/main" val="2098130109"/>
+                    <a16:rowId xmlns:a16="http://schemas.microsoft.com/office/drawing/2014/main" val="3173830242"/>
                   </a:ext>
                 </a:extLst>
               </a:tr>
-              <a:tr h="200025">
+              <a:tr h="370840">
                 <a:tc>
                   <a:txBody>
                     <a:bodyPr/>
                     <a:lstStyle/>
                     <a:p>
-                      <a:pPr algn="ctr" rtl="0" fontAlgn="b"/>
                       <a:r>
-                        <a:rPr lang="en-US" dirty="0">
+                        <a:rPr lang="en-US" dirty="0" smtClean="0">
                           <a:solidFill>
                             <a:schemeClr val="bg1"/>
                           </a:solidFill>
+                        </a:rPr>
+                        <a:t>4</a:t>
+                      </a:r>
+                      <a:endParaRPr lang="en-US" dirty="0">
+                        <a:solidFill>
+                          <a:schemeClr val="bg1"/>
+                        </a:solidFill>
+                      </a:endParaRPr>
+                    </a:p>
+                  </a:txBody>
+                  <a:tcPr anchor="ctr"/>
+                </a:tc>
+                <a:tc>
+                  <a:txBody>
+                    <a:bodyPr/>
+                    <a:lstStyle/>
+                    <a:p>
+                      <a:pPr rtl="0" fontAlgn="b"/>
+                      <a:r>
+                        <a:rPr lang="en-US">
+                          <a:solidFill>
+                            <a:schemeClr val="tx2"/>
+                          </a:solidFill>
                           <a:effectLst/>
                         </a:rPr>
-                        <a:t>user</a:t>
+                        <a:t>alarm_ch2_off</a:t>
+                      </a:r>
+                    </a:p>
+                  </a:txBody>
+                  <a:tcPr marL="28575" marR="28575" marT="19050" marB="19050" anchor="b"/>
+                </a:tc>
+                <a:tc>
+                  <a:txBody>
+                    <a:bodyPr/>
+                    <a:lstStyle/>
+                    <a:p>
+                      <a:pPr rtl="0" fontAlgn="b"/>
+                      <a:r>
+                        <a:rPr lang="en-US">
+                          <a:solidFill>
+                            <a:schemeClr val="tx2"/>
+                          </a:solidFill>
+                          <a:effectLst/>
+                        </a:rPr>
+                        <a:t>{"sw_wifi":3,"pos":2,"hour":10,"minute":25,"status":4}</a:t>
                       </a:r>
                     </a:p>
                   </a:txBody>
@@ -12531,40 +12211,78 @@
                     <a:lstStyle/>
                     <a:p>
                       <a:pPr algn="ctr" rtl="0" fontAlgn="b"/>
+                      <a:endParaRPr lang="en-US" dirty="0">
+                        <a:solidFill>
+                          <a:schemeClr val="bg1"/>
+                        </a:solidFill>
+                        <a:effectLst/>
+                      </a:endParaRPr>
+                    </a:p>
+                  </a:txBody>
+                  <a:tcPr marL="28575" marR="28575" marT="19050" marB="19050" anchor="ctr"/>
+                </a:tc>
+                <a:extLst>
+                  <a:ext uri="{0D108BD9-81ED-4DB2-BD59-A6C34878D82A}">
+                    <a16:rowId xmlns:a16="http://schemas.microsoft.com/office/drawing/2014/main" val="4055461725"/>
+                  </a:ext>
+                </a:extLst>
+              </a:tr>
+              <a:tr h="370840">
+                <a:tc>
+                  <a:txBody>
+                    <a:bodyPr/>
+                    <a:lstStyle/>
+                    <a:p>
                       <a:r>
-                        <a:rPr lang="en-US" dirty="0">
+                        <a:rPr lang="en-US" dirty="0" smtClean="0">
                           <a:solidFill>
                             <a:schemeClr val="bg1"/>
                           </a:solidFill>
+                        </a:rPr>
+                        <a:t>5</a:t>
+                      </a:r>
+                      <a:endParaRPr lang="en-US" dirty="0">
+                        <a:solidFill>
+                          <a:schemeClr val="bg1"/>
+                        </a:solidFill>
+                      </a:endParaRPr>
+                    </a:p>
+                  </a:txBody>
+                  <a:tcPr anchor="ctr"/>
+                </a:tc>
+                <a:tc>
+                  <a:txBody>
+                    <a:bodyPr/>
+                    <a:lstStyle/>
+                    <a:p>
+                      <a:pPr rtl="0" fontAlgn="b"/>
+                      <a:r>
+                        <a:rPr lang="en-US">
+                          <a:solidFill>
+                            <a:schemeClr val="tx2"/>
+                          </a:solidFill>
                           <a:effectLst/>
                         </a:rPr>
-                        <a:t>ngocphong260899</a:t>
+                        <a:t>alarm_ch3_on</a:t>
                       </a:r>
                     </a:p>
                   </a:txBody>
                   <a:tcPr marL="28575" marR="28575" marT="19050" marB="19050" anchor="b"/>
                 </a:tc>
-                <a:extLst>
-                  <a:ext uri="{0D108BD9-81ED-4DB2-BD59-A6C34878D82A}">
-                    <a16:rowId xmlns:a16="http://schemas.microsoft.com/office/drawing/2014/main" val="3707561978"/>
-                  </a:ext>
-                </a:extLst>
-              </a:tr>
-              <a:tr h="200025">
                 <a:tc>
                   <a:txBody>
                     <a:bodyPr/>
                     <a:lstStyle/>
                     <a:p>
-                      <a:pPr algn="ctr" rtl="0" fontAlgn="b"/>
+                      <a:pPr rtl="0" fontAlgn="b"/>
                       <a:r>
-                        <a:rPr lang="en-US" dirty="0">
+                        <a:rPr lang="en-US">
                           <a:solidFill>
-                            <a:schemeClr val="bg1"/>
+                            <a:schemeClr val="tx2"/>
                           </a:solidFill>
                           <a:effectLst/>
                         </a:rPr>
-                        <a:t>password</a:t>
+                        <a:t>{"sw_wifi":3,"pos":3,"hour":10,"minute":25,"status":5}</a:t>
                       </a:r>
                     </a:p>
                   </a:txBody>
@@ -12576,40 +12294,78 @@
                     <a:lstStyle/>
                     <a:p>
                       <a:pPr algn="ctr" rtl="0" fontAlgn="b"/>
+                      <a:endParaRPr lang="en-US" dirty="0">
+                        <a:solidFill>
+                          <a:schemeClr val="bg1"/>
+                        </a:solidFill>
+                        <a:effectLst/>
+                      </a:endParaRPr>
+                    </a:p>
+                  </a:txBody>
+                  <a:tcPr marL="28575" marR="28575" marT="19050" marB="19050" anchor="ctr"/>
+                </a:tc>
+                <a:extLst>
+                  <a:ext uri="{0D108BD9-81ED-4DB2-BD59-A6C34878D82A}">
+                    <a16:rowId xmlns:a16="http://schemas.microsoft.com/office/drawing/2014/main" val="3130019279"/>
+                  </a:ext>
+                </a:extLst>
+              </a:tr>
+              <a:tr h="370840">
+                <a:tc>
+                  <a:txBody>
+                    <a:bodyPr/>
+                    <a:lstStyle/>
+                    <a:p>
+                      <a:r>
+                        <a:rPr lang="en-US" dirty="0" smtClean="0">
+                          <a:solidFill>
+                            <a:schemeClr val="bg1"/>
+                          </a:solidFill>
+                        </a:rPr>
+                        <a:t>6</a:t>
+                      </a:r>
+                      <a:endParaRPr lang="en-US" dirty="0">
+                        <a:solidFill>
+                          <a:schemeClr val="bg1"/>
+                        </a:solidFill>
+                      </a:endParaRPr>
+                    </a:p>
+                  </a:txBody>
+                  <a:tcPr anchor="ctr"/>
+                </a:tc>
+                <a:tc>
+                  <a:txBody>
+                    <a:bodyPr/>
+                    <a:lstStyle/>
+                    <a:p>
+                      <a:pPr rtl="0" fontAlgn="b"/>
                       <a:r>
                         <a:rPr lang="en-US" dirty="0">
                           <a:solidFill>
-                            <a:schemeClr val="bg1"/>
+                            <a:schemeClr val="tx2"/>
                           </a:solidFill>
                           <a:effectLst/>
                         </a:rPr>
-                        <a:t>ngocphong260899</a:t>
+                        <a:t>alarm_ch3_off</a:t>
                       </a:r>
                     </a:p>
                   </a:txBody>
                   <a:tcPr marL="28575" marR="28575" marT="19050" marB="19050" anchor="b"/>
                 </a:tc>
-                <a:extLst>
-                  <a:ext uri="{0D108BD9-81ED-4DB2-BD59-A6C34878D82A}">
-                    <a16:rowId xmlns:a16="http://schemas.microsoft.com/office/drawing/2014/main" val="355461421"/>
-                  </a:ext>
-                </a:extLst>
-              </a:tr>
-              <a:tr h="200025">
                 <a:tc>
                   <a:txBody>
                     <a:bodyPr/>
                     <a:lstStyle/>
                     <a:p>
-                      <a:pPr algn="ctr" rtl="0" fontAlgn="b"/>
+                      <a:pPr rtl="0" fontAlgn="b"/>
                       <a:r>
-                        <a:rPr lang="en-US">
+                        <a:rPr lang="en-US" dirty="0">
                           <a:solidFill>
-                            <a:schemeClr val="bg1"/>
+                            <a:schemeClr val="tx2"/>
                           </a:solidFill>
                           <a:effectLst/>
                         </a:rPr>
-                        <a:t>port</a:t>
+                        <a:t>{"sw_wifi":3,"pos":3,"hour":10,"minute":25,"status":6}</a:t>
                       </a:r>
                     </a:p>
                   </a:txBody>
@@ -12621,41 +12377,104 @@
                     <a:lstStyle/>
                     <a:p>
                       <a:pPr algn="ctr" rtl="0" fontAlgn="b"/>
-                      <a:r>
-                        <a:rPr lang="en-US" dirty="0">
-                          <a:solidFill>
-                            <a:schemeClr val="bg1"/>
-                          </a:solidFill>
-                          <a:effectLst/>
-                        </a:rPr>
-                        <a:t>1111 or 2222 </a:t>
-                      </a:r>
+                      <a:endParaRPr lang="en-US" dirty="0">
+                        <a:solidFill>
+                          <a:schemeClr val="bg1"/>
+                        </a:solidFill>
+                        <a:effectLst/>
+                      </a:endParaRPr>
                     </a:p>
                   </a:txBody>
-                  <a:tcPr marL="28575" marR="28575" marT="19050" marB="19050" anchor="b"/>
+                  <a:tcPr marL="28575" marR="28575" marT="19050" marB="19050" anchor="ctr"/>
                 </a:tc>
                 <a:extLst>
                   <a:ext uri="{0D108BD9-81ED-4DB2-BD59-A6C34878D82A}">
-                    <a16:rowId xmlns:a16="http://schemas.microsoft.com/office/drawing/2014/main" val="1120808706"/>
+                    <a16:rowId xmlns:a16="http://schemas.microsoft.com/office/drawing/2014/main" val="1815439162"/>
                   </a:ext>
                 </a:extLst>
               </a:tr>
-              <a:tr h="200025">
+              <a:tr h="370840">
                 <a:tc>
                   <a:txBody>
                     <a:bodyPr/>
                     <a:lstStyle/>
                     <a:p>
-                      <a:pPr algn="ctr" rtl="0" fontAlgn="b"/>
                       <a:r>
-                        <a:rPr lang="en-US">
+                        <a:rPr lang="en-US" dirty="0" smtClean="0">
                           <a:solidFill>
                             <a:schemeClr val="bg1"/>
                           </a:solidFill>
+                        </a:rPr>
+                        <a:t>7</a:t>
+                      </a:r>
+                      <a:endParaRPr lang="en-US" dirty="0">
+                        <a:solidFill>
+                          <a:schemeClr val="bg1"/>
+                        </a:solidFill>
+                      </a:endParaRPr>
+                    </a:p>
+                  </a:txBody>
+                  <a:tcPr anchor="ctr"/>
+                </a:tc>
+                <a:tc>
+                  <a:txBody>
+                    <a:bodyPr/>
+                    <a:lstStyle/>
+                    <a:p>
+                      <a:pPr rtl="0" fontAlgn="b"/>
+                      <a:r>
+                        <a:rPr lang="en-US" dirty="0" smtClean="0">
+                          <a:solidFill>
+                            <a:schemeClr val="tx2"/>
+                          </a:solidFill>
                           <a:effectLst/>
                         </a:rPr>
-                        <a:t>topic sub</a:t>
+                        <a:t>Hủy</a:t>
                       </a:r>
+                      <a:r>
+                        <a:rPr lang="en-US" baseline="0" dirty="0" smtClean="0">
+                          <a:solidFill>
+                            <a:schemeClr val="tx2"/>
+                          </a:solidFill>
+                          <a:effectLst/>
+                        </a:rPr>
+                        <a:t> hẹn giờ</a:t>
+                      </a:r>
+                      <a:endParaRPr lang="en-US" dirty="0">
+                        <a:solidFill>
+                          <a:schemeClr val="tx2"/>
+                        </a:solidFill>
+                        <a:effectLst/>
+                      </a:endParaRPr>
+                    </a:p>
+                  </a:txBody>
+                  <a:tcPr marL="28575" marR="28575" marT="19050" marB="19050" anchor="b"/>
+                </a:tc>
+                <a:tc>
+                  <a:txBody>
+                    <a:bodyPr/>
+                    <a:lstStyle/>
+                    <a:p>
+                      <a:pPr rtl="0" fontAlgn="b"/>
+                      <a:r>
+                        <a:rPr lang="en-US" sz="1400" b="0" i="0" u="none" strike="noStrike" cap="none" dirty="0" smtClean="0">
+                          <a:solidFill>
+                            <a:schemeClr val="tx2"/>
+                          </a:solidFill>
+                          <a:effectLst/>
+                          <a:latin typeface="Arial"/>
+                          <a:ea typeface="Arial"/>
+                          <a:cs typeface="Arial"/>
+                          <a:sym typeface="Arial"/>
+                        </a:rPr>
+                        <a:t>{"sw_wifi":3,"pos":1,"hour":0,"minute":0,"status":0}</a:t>
+                      </a:r>
+                      <a:endParaRPr lang="en-US" dirty="0">
+                        <a:solidFill>
+                          <a:schemeClr val="tx2"/>
+                        </a:solidFill>
+                        <a:effectLst/>
+                      </a:endParaRPr>
                     </a:p>
                   </a:txBody>
                   <a:tcPr marL="28575" marR="28575" marT="19050" marB="19050" anchor="b"/>
@@ -12666,67 +12485,19 @@
                     <a:lstStyle/>
                     <a:p>
                       <a:pPr algn="ctr" rtl="0" fontAlgn="b"/>
-                      <a:r>
-                        <a:rPr lang="en-US" dirty="0">
-                          <a:solidFill>
-                            <a:schemeClr val="bg1"/>
-                          </a:solidFill>
-                          <a:effectLst/>
-                        </a:rPr>
-                        <a:t>ngocphong260899/device</a:t>
-                      </a:r>
+                      <a:endParaRPr lang="en-US" dirty="0">
+                        <a:solidFill>
+                          <a:schemeClr val="bg1"/>
+                        </a:solidFill>
+                        <a:effectLst/>
+                      </a:endParaRPr>
                     </a:p>
                   </a:txBody>
-                  <a:tcPr marL="28575" marR="28575" marT="19050" marB="19050" anchor="b"/>
+                  <a:tcPr marL="28575" marR="28575" marT="19050" marB="19050" anchor="ctr"/>
                 </a:tc>
                 <a:extLst>
                   <a:ext uri="{0D108BD9-81ED-4DB2-BD59-A6C34878D82A}">
-                    <a16:rowId xmlns:a16="http://schemas.microsoft.com/office/drawing/2014/main" val="935247020"/>
-                  </a:ext>
-                </a:extLst>
-              </a:tr>
-              <a:tr h="200025">
-                <a:tc>
-                  <a:txBody>
-                    <a:bodyPr/>
-                    <a:lstStyle/>
-                    <a:p>
-                      <a:pPr algn="ctr" rtl="0" fontAlgn="b"/>
-                      <a:r>
-                        <a:rPr lang="en-US">
-                          <a:solidFill>
-                            <a:schemeClr val="bg1"/>
-                          </a:solidFill>
-                          <a:effectLst/>
-                        </a:rPr>
-                        <a:t>topic pub</a:t>
-                      </a:r>
-                    </a:p>
-                  </a:txBody>
-                  <a:tcPr marL="28575" marR="28575" marT="19050" marB="19050" anchor="b"/>
-                </a:tc>
-                <a:tc>
-                  <a:txBody>
-                    <a:bodyPr/>
-                    <a:lstStyle/>
-                    <a:p>
-                      <a:pPr algn="ctr" rtl="0" fontAlgn="b"/>
-                      <a:r>
-                        <a:rPr lang="en-US" dirty="0">
-                          <a:solidFill>
-                            <a:schemeClr val="bg1"/>
-                          </a:solidFill>
-                          <a:effectLst/>
-                        </a:rPr>
-                        <a:t>ngocphong260899/app</a:t>
-                      </a:r>
-                    </a:p>
-                  </a:txBody>
-                  <a:tcPr marL="28575" marR="28575" marT="19050" marB="19050" anchor="b"/>
-                </a:tc>
-                <a:extLst>
-                  <a:ext uri="{0D108BD9-81ED-4DB2-BD59-A6C34878D82A}">
-                    <a16:rowId xmlns:a16="http://schemas.microsoft.com/office/drawing/2014/main" val="2398453118"/>
+                    <a16:rowId xmlns:a16="http://schemas.microsoft.com/office/drawing/2014/main" val="2972649652"/>
                   </a:ext>
                 </a:extLst>
               </a:tr>
@@ -12737,7 +12508,7 @@
     </p:spTree>
     <p:extLst>
       <p:ext uri="{BB962C8B-B14F-4D97-AF65-F5344CB8AC3E}">
-        <p14:creationId xmlns:p14="http://schemas.microsoft.com/office/powerpoint/2010/main" val="390392057"/>
+        <p14:creationId xmlns:p14="http://schemas.microsoft.com/office/powerpoint/2010/main" val="1921527100"/>
       </p:ext>
     </p:extLst>
   </p:cSld>
@@ -13758,7 +13529,7 @@
       </p:sp>
       <p:pic>
         <p:nvPicPr>
-          <p:cNvPr id="3" name="Picture 2"/>
+          <p:cNvPr id="2" name="Picture 1"/>
           <p:cNvPicPr>
             <a:picLocks noChangeAspect="1"/>
           </p:cNvPicPr>
@@ -13772,8 +13543,8 @@
         </p:blipFill>
         <p:spPr>
           <a:xfrm>
-            <a:off x="585136" y="839151"/>
-            <a:ext cx="7660240" cy="3878321"/>
+            <a:off x="699436" y="708659"/>
+            <a:ext cx="7665246" cy="4035145"/>
           </a:xfrm>
           <a:prstGeom prst="rect">
             <a:avLst/>
